--- a/modelo.pptx
+++ b/modelo.pptx
@@ -6,6 +6,7 @@
   </p:sldMasterIdLst>
   <p:sldIdLst>
     <p:sldId id="256" r:id="rId2"/>
+    <p:sldId id="257" r:id="rId3"/>
   </p:sldIdLst>
   <p:sldSz cx="9144000" cy="6858000" type="screen4x3"/>
   <p:notesSz cx="6858000" cy="9144000"/>
@@ -288,7 +289,7 @@
           <a:p>
             <a:fld id="{590EE0B1-76DC-4815-899F-70D41ECD92CB}" type="datetimeFigureOut">
               <a:rPr lang="pt-BR" smtClean="0"/>
-              <a:t>27/02/2019</a:t>
+              <a:t>02/05/2019</a:t>
             </a:fld>
             <a:endParaRPr lang="pt-BR"/>
           </a:p>
@@ -458,7 +459,7 @@
           <a:p>
             <a:fld id="{590EE0B1-76DC-4815-899F-70D41ECD92CB}" type="datetimeFigureOut">
               <a:rPr lang="pt-BR" smtClean="0"/>
-              <a:t>27/02/2019</a:t>
+              <a:t>02/05/2019</a:t>
             </a:fld>
             <a:endParaRPr lang="pt-BR"/>
           </a:p>
@@ -638,7 +639,7 @@
           <a:p>
             <a:fld id="{590EE0B1-76DC-4815-899F-70D41ECD92CB}" type="datetimeFigureOut">
               <a:rPr lang="pt-BR" smtClean="0"/>
-              <a:t>27/02/2019</a:t>
+              <a:t>02/05/2019</a:t>
             </a:fld>
             <a:endParaRPr lang="pt-BR"/>
           </a:p>
@@ -808,7 +809,7 @@
           <a:p>
             <a:fld id="{590EE0B1-76DC-4815-899F-70D41ECD92CB}" type="datetimeFigureOut">
               <a:rPr lang="pt-BR" smtClean="0"/>
-              <a:t>27/02/2019</a:t>
+              <a:t>02/05/2019</a:t>
             </a:fld>
             <a:endParaRPr lang="pt-BR"/>
           </a:p>
@@ -1054,7 +1055,7 @@
           <a:p>
             <a:fld id="{590EE0B1-76DC-4815-899F-70D41ECD92CB}" type="datetimeFigureOut">
               <a:rPr lang="pt-BR" smtClean="0"/>
-              <a:t>27/02/2019</a:t>
+              <a:t>02/05/2019</a:t>
             </a:fld>
             <a:endParaRPr lang="pt-BR"/>
           </a:p>
@@ -1342,7 +1343,7 @@
           <a:p>
             <a:fld id="{590EE0B1-76DC-4815-899F-70D41ECD92CB}" type="datetimeFigureOut">
               <a:rPr lang="pt-BR" smtClean="0"/>
-              <a:t>27/02/2019</a:t>
+              <a:t>02/05/2019</a:t>
             </a:fld>
             <a:endParaRPr lang="pt-BR"/>
           </a:p>
@@ -1764,7 +1765,7 @@
           <a:p>
             <a:fld id="{590EE0B1-76DC-4815-899F-70D41ECD92CB}" type="datetimeFigureOut">
               <a:rPr lang="pt-BR" smtClean="0"/>
-              <a:t>27/02/2019</a:t>
+              <a:t>02/05/2019</a:t>
             </a:fld>
             <a:endParaRPr lang="pt-BR"/>
           </a:p>
@@ -1882,7 +1883,7 @@
           <a:p>
             <a:fld id="{590EE0B1-76DC-4815-899F-70D41ECD92CB}" type="datetimeFigureOut">
               <a:rPr lang="pt-BR" smtClean="0"/>
-              <a:t>27/02/2019</a:t>
+              <a:t>02/05/2019</a:t>
             </a:fld>
             <a:endParaRPr lang="pt-BR"/>
           </a:p>
@@ -1977,7 +1978,7 @@
           <a:p>
             <a:fld id="{590EE0B1-76DC-4815-899F-70D41ECD92CB}" type="datetimeFigureOut">
               <a:rPr lang="pt-BR" smtClean="0"/>
-              <a:t>27/02/2019</a:t>
+              <a:t>02/05/2019</a:t>
             </a:fld>
             <a:endParaRPr lang="pt-BR"/>
           </a:p>
@@ -2254,7 +2255,7 @@
           <a:p>
             <a:fld id="{590EE0B1-76DC-4815-899F-70D41ECD92CB}" type="datetimeFigureOut">
               <a:rPr lang="pt-BR" smtClean="0"/>
-              <a:t>27/02/2019</a:t>
+              <a:t>02/05/2019</a:t>
             </a:fld>
             <a:endParaRPr lang="pt-BR"/>
           </a:p>
@@ -2507,7 +2508,7 @@
           <a:p>
             <a:fld id="{590EE0B1-76DC-4815-899F-70D41ECD92CB}" type="datetimeFigureOut">
               <a:rPr lang="pt-BR" smtClean="0"/>
-              <a:t>27/02/2019</a:t>
+              <a:t>02/05/2019</a:t>
             </a:fld>
             <a:endParaRPr lang="pt-BR"/>
           </a:p>
@@ -2720,7 +2721,7 @@
           <a:p>
             <a:fld id="{590EE0B1-76DC-4815-899F-70D41ECD92CB}" type="datetimeFigureOut">
               <a:rPr lang="pt-BR" smtClean="0"/>
-              <a:t>27/02/2019</a:t>
+              <a:t>02/05/2019</a:t>
             </a:fld>
             <a:endParaRPr lang="pt-BR"/>
           </a:p>
@@ -3084,9 +3085,7 @@
     <p:bg>
       <p:bgPr>
         <a:solidFill>
-          <a:srgbClr val="19AFB7">
-            <a:alpha val="65000"/>
-          </a:srgbClr>
+          <a:srgbClr val="DC5C81"/>
         </a:solidFill>
         <a:effectLst/>
       </p:bgPr>
@@ -3113,7 +3112,7 @@
         </p:nvSpPr>
         <p:spPr>
           <a:xfrm rot="18649137">
-            <a:off x="-3495938" y="4696530"/>
+            <a:off x="-3864540" y="4489970"/>
             <a:ext cx="7901279" cy="6869339"/>
           </a:xfrm>
           <a:prstGeom prst="roundRect">
@@ -3122,7 +3121,7 @@
             </a:avLst>
           </a:prstGeom>
           <a:solidFill>
-            <a:srgbClr val="19AFB7"/>
+            <a:srgbClr val="CC4E7E"/>
           </a:solidFill>
           <a:ln>
             <a:noFill/>
@@ -3174,7 +3173,7 @@
             </a:avLst>
           </a:prstGeom>
           <a:solidFill>
-            <a:srgbClr val="19AFB7"/>
+            <a:srgbClr val="CC4E7E"/>
           </a:solidFill>
           <a:ln>
             <a:noFill/>
@@ -3222,7 +3221,7 @@
             </a:avLst>
           </a:prstGeom>
           <a:solidFill>
-            <a:srgbClr val="13858B"/>
+            <a:srgbClr val="A63077"/>
           </a:solidFill>
           <a:ln>
             <a:noFill/>
@@ -3261,7 +3260,7 @@
         </p:nvSpPr>
         <p:spPr>
           <a:xfrm rot="18960698">
-            <a:off x="4625170" y="6002434"/>
+            <a:off x="4585650" y="6020569"/>
             <a:ext cx="3788109" cy="3748127"/>
           </a:xfrm>
           <a:prstGeom prst="roundRect">
@@ -3270,7 +3269,7 @@
             </a:avLst>
           </a:prstGeom>
           <a:solidFill>
-            <a:srgbClr val="13858B"/>
+            <a:srgbClr val="A63077"/>
           </a:solidFill>
           <a:ln>
             <a:noFill/>
@@ -3318,7 +3317,7 @@
             </a:avLst>
           </a:prstGeom>
           <a:solidFill>
-            <a:srgbClr val="13858B"/>
+            <a:srgbClr val="A63077"/>
           </a:solidFill>
           <a:ln>
             <a:noFill/>
@@ -3366,7 +3365,7 @@
             </a:avLst>
           </a:prstGeom>
           <a:solidFill>
-            <a:srgbClr val="13858B"/>
+            <a:srgbClr val="A63077"/>
           </a:solidFill>
           <a:ln>
             <a:noFill/>
@@ -3713,6 +3712,343 @@
     <p:extLst>
       <p:ext uri="{BB962C8B-B14F-4D97-AF65-F5344CB8AC3E}">
         <p14:creationId xmlns:p14="http://schemas.microsoft.com/office/powerpoint/2010/main" val="2710808899"/>
+      </p:ext>
+    </p:extLst>
+  </p:cSld>
+  <p:clrMapOvr>
+    <a:masterClrMapping/>
+  </p:clrMapOvr>
+  <p:timing>
+    <p:tnLst>
+      <p:par>
+        <p:cTn id="1" dur="indefinite" restart="never" nodeType="tmRoot"/>
+      </p:par>
+    </p:tnLst>
+  </p:timing>
+</p:sld>
+</file>
+
+<file path=ppt/slides/slide2.xml><?xml version="1.0" encoding="utf-8"?>
+<p:sld xmlns:a="http://schemas.openxmlformats.org/drawingml/2006/main" xmlns:r="http://schemas.openxmlformats.org/officeDocument/2006/relationships" xmlns:p="http://schemas.openxmlformats.org/presentationml/2006/main">
+  <p:cSld>
+    <p:bg>
+      <p:bgPr>
+        <a:solidFill>
+          <a:srgbClr val="DC5C81"/>
+        </a:solidFill>
+        <a:effectLst/>
+      </p:bgPr>
+    </p:bg>
+    <p:spTree>
+      <p:nvGrpSpPr>
+        <p:cNvPr id="1" name=""/>
+        <p:cNvGrpSpPr/>
+        <p:nvPr/>
+      </p:nvGrpSpPr>
+      <p:grpSpPr>
+        <a:xfrm>
+          <a:off x="0" y="0"/>
+          <a:ext cx="0" cy="0"/>
+          <a:chOff x="0" y="0"/>
+          <a:chExt cx="0" cy="0"/>
+        </a:xfrm>
+      </p:grpSpPr>
+      <p:sp>
+        <p:nvSpPr>
+          <p:cNvPr id="19" name="Retângulo de cantos arredondados 18"/>
+          <p:cNvSpPr/>
+          <p:nvPr/>
+        </p:nvSpPr>
+        <p:spPr>
+          <a:xfrm rot="18530330">
+            <a:off x="-2984406" y="4865485"/>
+            <a:ext cx="7901279" cy="6869339"/>
+          </a:xfrm>
+          <a:prstGeom prst="roundRect">
+            <a:avLst>
+              <a:gd name="adj" fmla="val 12749"/>
+            </a:avLst>
+          </a:prstGeom>
+          <a:solidFill>
+            <a:srgbClr val="CC4E7E"/>
+          </a:solidFill>
+          <a:ln>
+            <a:noFill/>
+          </a:ln>
+        </p:spPr>
+        <p:style>
+          <a:lnRef idx="2">
+            <a:schemeClr val="accent1">
+              <a:shade val="50000"/>
+            </a:schemeClr>
+          </a:lnRef>
+          <a:fillRef idx="1">
+            <a:schemeClr val="accent1"/>
+          </a:fillRef>
+          <a:effectRef idx="0">
+            <a:schemeClr val="accent1"/>
+          </a:effectRef>
+          <a:fontRef idx="minor">
+            <a:schemeClr val="lt1"/>
+          </a:fontRef>
+        </p:style>
+        <p:txBody>
+          <a:bodyPr rtlCol="0" anchor="ctr"/>
+          <a:lstStyle/>
+          <a:p>
+            <a:pPr algn="ctr"/>
+            <a:r>
+              <a:rPr lang="pt-BR" dirty="0" smtClean="0"/>
+              <a:t>	</a:t>
+            </a:r>
+            <a:endParaRPr lang="pt-BR" dirty="0"/>
+          </a:p>
+        </p:txBody>
+      </p:sp>
+      <p:sp>
+        <p:nvSpPr>
+          <p:cNvPr id="18" name="Retângulo de cantos arredondados 17"/>
+          <p:cNvSpPr/>
+          <p:nvPr/>
+        </p:nvSpPr>
+        <p:spPr>
+          <a:xfrm rot="19287825">
+            <a:off x="4541173" y="5471214"/>
+            <a:ext cx="5798613" cy="5164328"/>
+          </a:xfrm>
+          <a:prstGeom prst="roundRect">
+            <a:avLst>
+              <a:gd name="adj" fmla="val 17544"/>
+            </a:avLst>
+          </a:prstGeom>
+          <a:solidFill>
+            <a:srgbClr val="CC4E7E"/>
+          </a:solidFill>
+          <a:ln>
+            <a:noFill/>
+          </a:ln>
+        </p:spPr>
+        <p:style>
+          <a:lnRef idx="2">
+            <a:schemeClr val="accent1">
+              <a:shade val="50000"/>
+            </a:schemeClr>
+          </a:lnRef>
+          <a:fillRef idx="1">
+            <a:schemeClr val="accent1"/>
+          </a:fillRef>
+          <a:effectRef idx="0">
+            <a:schemeClr val="accent1"/>
+          </a:effectRef>
+          <a:fontRef idx="minor">
+            <a:schemeClr val="lt1"/>
+          </a:fontRef>
+        </p:style>
+        <p:txBody>
+          <a:bodyPr rtlCol="0" anchor="ctr"/>
+          <a:lstStyle/>
+          <a:p>
+            <a:pPr algn="ctr"/>
+            <a:endParaRPr lang="pt-BR"/>
+          </a:p>
+        </p:txBody>
+      </p:sp>
+      <p:sp>
+        <p:nvSpPr>
+          <p:cNvPr id="5" name="Retângulo de cantos arredondados 4"/>
+          <p:cNvSpPr/>
+          <p:nvPr/>
+        </p:nvSpPr>
+        <p:spPr>
+          <a:xfrm rot="18960698">
+            <a:off x="6847670" y="6332048"/>
+            <a:ext cx="3529598" cy="3442662"/>
+          </a:xfrm>
+          <a:prstGeom prst="roundRect">
+            <a:avLst>
+              <a:gd name="adj" fmla="val 25942"/>
+            </a:avLst>
+          </a:prstGeom>
+          <a:solidFill>
+            <a:srgbClr val="A63077"/>
+          </a:solidFill>
+          <a:ln>
+            <a:noFill/>
+          </a:ln>
+        </p:spPr>
+        <p:style>
+          <a:lnRef idx="2">
+            <a:schemeClr val="accent1">
+              <a:shade val="50000"/>
+            </a:schemeClr>
+          </a:lnRef>
+          <a:fillRef idx="1">
+            <a:schemeClr val="accent1"/>
+          </a:fillRef>
+          <a:effectRef idx="0">
+            <a:schemeClr val="accent1"/>
+          </a:effectRef>
+          <a:fontRef idx="minor">
+            <a:schemeClr val="lt1"/>
+          </a:fontRef>
+        </p:style>
+        <p:txBody>
+          <a:bodyPr rtlCol="0" anchor="ctr"/>
+          <a:lstStyle/>
+          <a:p>
+            <a:pPr algn="ctr"/>
+            <a:endParaRPr lang="pt-BR"/>
+          </a:p>
+        </p:txBody>
+      </p:sp>
+      <p:sp>
+        <p:nvSpPr>
+          <p:cNvPr id="15" name="Retângulo de cantos arredondados 14"/>
+          <p:cNvSpPr/>
+          <p:nvPr/>
+        </p:nvSpPr>
+        <p:spPr>
+          <a:xfrm rot="18960698">
+            <a:off x="4478144" y="5730901"/>
+            <a:ext cx="3788109" cy="3748127"/>
+          </a:xfrm>
+          <a:prstGeom prst="roundRect">
+            <a:avLst>
+              <a:gd name="adj" fmla="val 16715"/>
+            </a:avLst>
+          </a:prstGeom>
+          <a:solidFill>
+            <a:srgbClr val="A63077"/>
+          </a:solidFill>
+          <a:ln>
+            <a:noFill/>
+          </a:ln>
+        </p:spPr>
+        <p:style>
+          <a:lnRef idx="2">
+            <a:schemeClr val="accent1">
+              <a:shade val="50000"/>
+            </a:schemeClr>
+          </a:lnRef>
+          <a:fillRef idx="1">
+            <a:schemeClr val="accent1"/>
+          </a:fillRef>
+          <a:effectRef idx="0">
+            <a:schemeClr val="accent1"/>
+          </a:effectRef>
+          <a:fontRef idx="minor">
+            <a:schemeClr val="lt1"/>
+          </a:fontRef>
+        </p:style>
+        <p:txBody>
+          <a:bodyPr rtlCol="0" anchor="ctr"/>
+          <a:lstStyle/>
+          <a:p>
+            <a:pPr algn="ctr"/>
+            <a:endParaRPr lang="pt-BR"/>
+          </a:p>
+        </p:txBody>
+      </p:sp>
+      <p:sp>
+        <p:nvSpPr>
+          <p:cNvPr id="16" name="Retângulo de cantos arredondados 15"/>
+          <p:cNvSpPr/>
+          <p:nvPr/>
+        </p:nvSpPr>
+        <p:spPr>
+          <a:xfrm rot="18960698">
+            <a:off x="339873" y="5531291"/>
+            <a:ext cx="5363363" cy="5537725"/>
+          </a:xfrm>
+          <a:prstGeom prst="roundRect">
+            <a:avLst>
+              <a:gd name="adj" fmla="val 12642"/>
+            </a:avLst>
+          </a:prstGeom>
+          <a:solidFill>
+            <a:srgbClr val="A63077"/>
+          </a:solidFill>
+          <a:ln>
+            <a:noFill/>
+          </a:ln>
+        </p:spPr>
+        <p:style>
+          <a:lnRef idx="2">
+            <a:schemeClr val="accent1">
+              <a:shade val="50000"/>
+            </a:schemeClr>
+          </a:lnRef>
+          <a:fillRef idx="1">
+            <a:schemeClr val="accent1"/>
+          </a:fillRef>
+          <a:effectRef idx="0">
+            <a:schemeClr val="accent1"/>
+          </a:effectRef>
+          <a:fontRef idx="minor">
+            <a:schemeClr val="lt1"/>
+          </a:fontRef>
+        </p:style>
+        <p:txBody>
+          <a:bodyPr rtlCol="0" anchor="ctr"/>
+          <a:lstStyle/>
+          <a:p>
+            <a:pPr algn="ctr"/>
+            <a:endParaRPr lang="pt-BR"/>
+          </a:p>
+        </p:txBody>
+      </p:sp>
+      <p:sp>
+        <p:nvSpPr>
+          <p:cNvPr id="17" name="Retângulo de cantos arredondados 16"/>
+          <p:cNvSpPr/>
+          <p:nvPr/>
+        </p:nvSpPr>
+        <p:spPr>
+          <a:xfrm rot="18960698">
+            <a:off x="-1894055" y="5703044"/>
+            <a:ext cx="3788109" cy="3748127"/>
+          </a:xfrm>
+          <a:prstGeom prst="roundRect">
+            <a:avLst>
+              <a:gd name="adj" fmla="val 14245"/>
+            </a:avLst>
+          </a:prstGeom>
+          <a:solidFill>
+            <a:srgbClr val="A63077"/>
+          </a:solidFill>
+          <a:ln>
+            <a:noFill/>
+          </a:ln>
+        </p:spPr>
+        <p:style>
+          <a:lnRef idx="2">
+            <a:schemeClr val="accent1">
+              <a:shade val="50000"/>
+            </a:schemeClr>
+          </a:lnRef>
+          <a:fillRef idx="1">
+            <a:schemeClr val="accent1"/>
+          </a:fillRef>
+          <a:effectRef idx="0">
+            <a:schemeClr val="accent1"/>
+          </a:effectRef>
+          <a:fontRef idx="minor">
+            <a:schemeClr val="lt1"/>
+          </a:fontRef>
+        </p:style>
+        <p:txBody>
+          <a:bodyPr rtlCol="0" anchor="ctr"/>
+          <a:lstStyle/>
+          <a:p>
+            <a:pPr algn="ctr"/>
+            <a:endParaRPr lang="pt-BR"/>
+          </a:p>
+        </p:txBody>
+      </p:sp>
+    </p:spTree>
+    <p:extLst>
+      <p:ext uri="{BB962C8B-B14F-4D97-AF65-F5344CB8AC3E}">
+        <p14:creationId xmlns:p14="http://schemas.microsoft.com/office/powerpoint/2010/main" val="937260850"/>
       </p:ext>
     </p:extLst>
   </p:cSld>

--- a/modelo.pptx
+++ b/modelo.pptx
@@ -289,7 +289,7 @@
           <a:p>
             <a:fld id="{590EE0B1-76DC-4815-899F-70D41ECD92CB}" type="datetimeFigureOut">
               <a:rPr lang="pt-BR" smtClean="0"/>
-              <a:t>02/05/2019</a:t>
+              <a:t>08/05/2019</a:t>
             </a:fld>
             <a:endParaRPr lang="pt-BR"/>
           </a:p>
@@ -459,7 +459,7 @@
           <a:p>
             <a:fld id="{590EE0B1-76DC-4815-899F-70D41ECD92CB}" type="datetimeFigureOut">
               <a:rPr lang="pt-BR" smtClean="0"/>
-              <a:t>02/05/2019</a:t>
+              <a:t>08/05/2019</a:t>
             </a:fld>
             <a:endParaRPr lang="pt-BR"/>
           </a:p>
@@ -639,7 +639,7 @@
           <a:p>
             <a:fld id="{590EE0B1-76DC-4815-899F-70D41ECD92CB}" type="datetimeFigureOut">
               <a:rPr lang="pt-BR" smtClean="0"/>
-              <a:t>02/05/2019</a:t>
+              <a:t>08/05/2019</a:t>
             </a:fld>
             <a:endParaRPr lang="pt-BR"/>
           </a:p>
@@ -809,7 +809,7 @@
           <a:p>
             <a:fld id="{590EE0B1-76DC-4815-899F-70D41ECD92CB}" type="datetimeFigureOut">
               <a:rPr lang="pt-BR" smtClean="0"/>
-              <a:t>02/05/2019</a:t>
+              <a:t>08/05/2019</a:t>
             </a:fld>
             <a:endParaRPr lang="pt-BR"/>
           </a:p>
@@ -1055,7 +1055,7 @@
           <a:p>
             <a:fld id="{590EE0B1-76DC-4815-899F-70D41ECD92CB}" type="datetimeFigureOut">
               <a:rPr lang="pt-BR" smtClean="0"/>
-              <a:t>02/05/2019</a:t>
+              <a:t>08/05/2019</a:t>
             </a:fld>
             <a:endParaRPr lang="pt-BR"/>
           </a:p>
@@ -1343,7 +1343,7 @@
           <a:p>
             <a:fld id="{590EE0B1-76DC-4815-899F-70D41ECD92CB}" type="datetimeFigureOut">
               <a:rPr lang="pt-BR" smtClean="0"/>
-              <a:t>02/05/2019</a:t>
+              <a:t>08/05/2019</a:t>
             </a:fld>
             <a:endParaRPr lang="pt-BR"/>
           </a:p>
@@ -1765,7 +1765,7 @@
           <a:p>
             <a:fld id="{590EE0B1-76DC-4815-899F-70D41ECD92CB}" type="datetimeFigureOut">
               <a:rPr lang="pt-BR" smtClean="0"/>
-              <a:t>02/05/2019</a:t>
+              <a:t>08/05/2019</a:t>
             </a:fld>
             <a:endParaRPr lang="pt-BR"/>
           </a:p>
@@ -1883,7 +1883,7 @@
           <a:p>
             <a:fld id="{590EE0B1-76DC-4815-899F-70D41ECD92CB}" type="datetimeFigureOut">
               <a:rPr lang="pt-BR" smtClean="0"/>
-              <a:t>02/05/2019</a:t>
+              <a:t>08/05/2019</a:t>
             </a:fld>
             <a:endParaRPr lang="pt-BR"/>
           </a:p>
@@ -1978,7 +1978,7 @@
           <a:p>
             <a:fld id="{590EE0B1-76DC-4815-899F-70D41ECD92CB}" type="datetimeFigureOut">
               <a:rPr lang="pt-BR" smtClean="0"/>
-              <a:t>02/05/2019</a:t>
+              <a:t>08/05/2019</a:t>
             </a:fld>
             <a:endParaRPr lang="pt-BR"/>
           </a:p>
@@ -2255,7 +2255,7 @@
           <a:p>
             <a:fld id="{590EE0B1-76DC-4815-899F-70D41ECD92CB}" type="datetimeFigureOut">
               <a:rPr lang="pt-BR" smtClean="0"/>
-              <a:t>02/05/2019</a:t>
+              <a:t>08/05/2019</a:t>
             </a:fld>
             <a:endParaRPr lang="pt-BR"/>
           </a:p>
@@ -2508,7 +2508,7 @@
           <a:p>
             <a:fld id="{590EE0B1-76DC-4815-899F-70D41ECD92CB}" type="datetimeFigureOut">
               <a:rPr lang="pt-BR" smtClean="0"/>
-              <a:t>02/05/2019</a:t>
+              <a:t>08/05/2019</a:t>
             </a:fld>
             <a:endParaRPr lang="pt-BR"/>
           </a:p>
@@ -2721,7 +2721,7 @@
           <a:p>
             <a:fld id="{590EE0B1-76DC-4815-899F-70D41ECD92CB}" type="datetimeFigureOut">
               <a:rPr lang="pt-BR" smtClean="0"/>
-              <a:t>02/05/2019</a:t>
+              <a:t>08/05/2019</a:t>
             </a:fld>
             <a:endParaRPr lang="pt-BR"/>
           </a:p>
